--- a/ppt.pptx
+++ b/ppt.pptx
@@ -5,7 +5,7 @@
     <p:sldMasterId id="2147483828" r:id="rId1"/>
   </p:sldMasterIdLst>
   <p:notesMasterIdLst>
-    <p:notesMasterId r:id="rId10"/>
+    <p:notesMasterId r:id="rId11"/>
   </p:notesMasterIdLst>
   <p:sldIdLst>
     <p:sldId id="256" r:id="rId2"/>
@@ -16,6 +16,7 @@
     <p:sldId id="261" r:id="rId7"/>
     <p:sldId id="262" r:id="rId8"/>
     <p:sldId id="263" r:id="rId9"/>
+    <p:sldId id="264" r:id="rId10"/>
   </p:sldIdLst>
   <p:sldSz cx="12192000" cy="6858000"/>
   <p:notesSz cx="6858000" cy="9144000"/>
@@ -114,6 +115,11 @@
       </a:defRPr>
     </a:lvl9pPr>
   </p:defaultTextStyle>
+  <p:extLst>
+    <p:ext uri="{EFAFB233-063F-42B5-8137-9DF3F51BA10A}">
+      <p15:sldGuideLst xmlns:p15="http://schemas.microsoft.com/office/powerpoint/2012/main"/>
+    </p:ext>
+  </p:extLst>
 </p:presentation>
 </file>
 
@@ -199,7 +205,7 @@
           <a:p>
             <a:fld id="{075D432F-2478-8F40-BAA9-38B5E35EFE8F}" type="datetimeFigureOut">
               <a:rPr lang="en-US" smtClean="0"/>
-              <a:t>5/4/20</a:t>
+              <a:t>5/4/2020</a:t>
             </a:fld>
             <a:endParaRPr lang="en-US"/>
           </a:p>
@@ -2056,7 +2062,7 @@
           <a:p>
             <a:fld id="{12B42AD3-A1D2-5142-A0E4-DBAB6A8522B6}" type="datetimeFigureOut">
               <a:rPr lang="en-US" smtClean="0"/>
-              <a:t>5/4/20</a:t>
+              <a:t>5/4/2020</a:t>
             </a:fld>
             <a:endParaRPr lang="en-US"/>
           </a:p>
@@ -2294,7 +2300,7 @@
           <a:p>
             <a:fld id="{12B42AD3-A1D2-5142-A0E4-DBAB6A8522B6}" type="datetimeFigureOut">
               <a:rPr lang="en-US" smtClean="0"/>
-              <a:t>5/4/20</a:t>
+              <a:t>5/4/2020</a:t>
             </a:fld>
             <a:endParaRPr lang="en-US"/>
           </a:p>
@@ -2474,7 +2480,7 @@
           <a:p>
             <a:fld id="{12B42AD3-A1D2-5142-A0E4-DBAB6A8522B6}" type="datetimeFigureOut">
               <a:rPr lang="en-US" smtClean="0"/>
-              <a:t>5/4/20</a:t>
+              <a:t>5/4/2020</a:t>
             </a:fld>
             <a:endParaRPr lang="en-US"/>
           </a:p>
@@ -2644,7 +2650,7 @@
           <a:p>
             <a:fld id="{12B42AD3-A1D2-5142-A0E4-DBAB6A8522B6}" type="datetimeFigureOut">
               <a:rPr lang="en-US" smtClean="0"/>
-              <a:t>5/4/20</a:t>
+              <a:t>5/4/2020</a:t>
             </a:fld>
             <a:endParaRPr lang="en-US"/>
           </a:p>
@@ -2920,7 +2926,7 @@
           <a:p>
             <a:fld id="{12B42AD3-A1D2-5142-A0E4-DBAB6A8522B6}" type="datetimeFigureOut">
               <a:rPr lang="en-US" smtClean="0"/>
-              <a:t>5/4/20</a:t>
+              <a:t>5/4/2020</a:t>
             </a:fld>
             <a:endParaRPr lang="en-US"/>
           </a:p>
@@ -4121,7 +4127,7 @@
           <a:p>
             <a:fld id="{12B42AD3-A1D2-5142-A0E4-DBAB6A8522B6}" type="datetimeFigureOut">
               <a:rPr lang="en-US" smtClean="0"/>
-              <a:t>5/4/20</a:t>
+              <a:t>5/4/2020</a:t>
             </a:fld>
             <a:endParaRPr lang="en-US"/>
           </a:p>
@@ -4511,7 +4517,7 @@
           <a:p>
             <a:fld id="{12B42AD3-A1D2-5142-A0E4-DBAB6A8522B6}" type="datetimeFigureOut">
               <a:rPr lang="en-US" smtClean="0"/>
-              <a:t>5/4/20</a:t>
+              <a:t>5/4/2020</a:t>
             </a:fld>
             <a:endParaRPr lang="en-US"/>
           </a:p>
@@ -4634,7 +4640,7 @@
           <a:p>
             <a:fld id="{12B42AD3-A1D2-5142-A0E4-DBAB6A8522B6}" type="datetimeFigureOut">
               <a:rPr lang="en-US" smtClean="0"/>
-              <a:t>5/4/20</a:t>
+              <a:t>5/4/2020</a:t>
             </a:fld>
             <a:endParaRPr lang="en-US"/>
           </a:p>
@@ -4729,7 +4735,7 @@
           <a:p>
             <a:fld id="{12B42AD3-A1D2-5142-A0E4-DBAB6A8522B6}" type="datetimeFigureOut">
               <a:rPr lang="en-US" smtClean="0"/>
-              <a:t>5/4/20</a:t>
+              <a:t>5/4/2020</a:t>
             </a:fld>
             <a:endParaRPr lang="en-US"/>
           </a:p>
@@ -5492,7 +5498,7 @@
           <a:p>
             <a:fld id="{12B42AD3-A1D2-5142-A0E4-DBAB6A8522B6}" type="datetimeFigureOut">
               <a:rPr lang="en-US" smtClean="0"/>
-              <a:t>5/4/20</a:t>
+              <a:t>5/4/2020</a:t>
             </a:fld>
             <a:endParaRPr lang="en-US"/>
           </a:p>
@@ -6332,7 +6338,7 @@
           <a:p>
             <a:fld id="{12B42AD3-A1D2-5142-A0E4-DBAB6A8522B6}" type="datetimeFigureOut">
               <a:rPr lang="en-US" smtClean="0"/>
-              <a:t>5/4/20</a:t>
+              <a:t>5/4/2020</a:t>
             </a:fld>
             <a:endParaRPr lang="en-US"/>
           </a:p>
@@ -6559,7 +6565,7 @@
           <a:p>
             <a:fld id="{12B42AD3-A1D2-5142-A0E4-DBAB6A8522B6}" type="datetimeFigureOut">
               <a:rPr lang="en-US" smtClean="0"/>
-              <a:t>5/4/20</a:t>
+              <a:t>5/4/2020</a:t>
             </a:fld>
             <a:endParaRPr lang="en-US"/>
           </a:p>
@@ -8262,6 +8268,89 @@
     <p:extLst>
       <p:ext uri="{BB962C8B-B14F-4D97-AF65-F5344CB8AC3E}">
         <p14:creationId xmlns:p14="http://schemas.microsoft.com/office/powerpoint/2010/main" val="1707164739"/>
+      </p:ext>
+    </p:extLst>
+  </p:cSld>
+  <p:clrMapOvr>
+    <a:masterClrMapping/>
+  </p:clrMapOvr>
+</p:sld>
+</file>
+
+<file path=ppt/slides/slide9.xml><?xml version="1.0" encoding="utf-8"?>
+<p:sld xmlns:a="http://schemas.openxmlformats.org/drawingml/2006/main" xmlns:r="http://schemas.openxmlformats.org/officeDocument/2006/relationships" xmlns:p="http://schemas.openxmlformats.org/presentationml/2006/main">
+  <p:cSld>
+    <p:spTree>
+      <p:nvGrpSpPr>
+        <p:cNvPr id="1" name=""/>
+        <p:cNvGrpSpPr/>
+        <p:nvPr/>
+      </p:nvGrpSpPr>
+      <p:grpSpPr>
+        <a:xfrm>
+          <a:off x="0" y="0"/>
+          <a:ext cx="0" cy="0"/>
+          <a:chOff x="0" y="0"/>
+          <a:chExt cx="0" cy="0"/>
+        </a:xfrm>
+      </p:grpSpPr>
+      <p:sp>
+        <p:nvSpPr>
+          <p:cNvPr id="2" name="Title 1">
+            <a:extLst>
+              <a:ext uri="{FF2B5EF4-FFF2-40B4-BE49-F238E27FC236}">
+                <a16:creationId xmlns:a16="http://schemas.microsoft.com/office/drawing/2014/main" id="{32155B78-AD1A-428B-BC10-FECD4E5E5BF4}"/>
+              </a:ext>
+            </a:extLst>
+          </p:cNvPr>
+          <p:cNvSpPr>
+            <a:spLocks noGrp="1"/>
+          </p:cNvSpPr>
+          <p:nvPr>
+            <p:ph type="title"/>
+          </p:nvPr>
+        </p:nvSpPr>
+        <p:spPr/>
+        <p:txBody>
+          <a:bodyPr/>
+          <a:lstStyle/>
+          <a:p>
+            <a:r>
+              <a:rPr lang="en-US"/>
+              <a:t>Score table</a:t>
+            </a:r>
+          </a:p>
+        </p:txBody>
+      </p:sp>
+      <p:sp>
+        <p:nvSpPr>
+          <p:cNvPr id="3" name="Content Placeholder 2">
+            <a:extLst>
+              <a:ext uri="{FF2B5EF4-FFF2-40B4-BE49-F238E27FC236}">
+                <a16:creationId xmlns:a16="http://schemas.microsoft.com/office/drawing/2014/main" id="{4A2D945B-F7AC-44B9-AAA0-B1AA872F7223}"/>
+              </a:ext>
+            </a:extLst>
+          </p:cNvPr>
+          <p:cNvSpPr>
+            <a:spLocks noGrp="1"/>
+          </p:cNvSpPr>
+          <p:nvPr>
+            <p:ph idx="1"/>
+          </p:nvPr>
+        </p:nvSpPr>
+        <p:spPr/>
+        <p:txBody>
+          <a:bodyPr/>
+          <a:lstStyle/>
+          <a:p>
+            <a:endParaRPr lang="en-US"/>
+          </a:p>
+        </p:txBody>
+      </p:sp>
+    </p:spTree>
+    <p:extLst>
+      <p:ext uri="{BB962C8B-B14F-4D97-AF65-F5344CB8AC3E}">
+        <p14:creationId xmlns:p14="http://schemas.microsoft.com/office/powerpoint/2010/main" val="883104886"/>
       </p:ext>
     </p:extLst>
   </p:cSld>
